--- a/Documentation/Presentation.pptx
+++ b/Documentation/Presentation.pptx
@@ -3110,7 +3110,7 @@
           </a:pPr>
           <a:r>
             <a:rPr lang="fr-CA" b="0" i="0" dirty="0"/>
-            <a:t>51-200 employés</a:t>
+            <a:t>Près de 200 employés</a:t>
           </a:r>
           <a:endParaRPr lang="en-US" dirty="0"/>
         </a:p>
@@ -4438,7 +4438,7 @@
           </a:pPr>
           <a:r>
             <a:rPr lang="fr-CA" sz="1400" b="0" i="0" kern="1200" dirty="0"/>
-            <a:t>51-200 employés</a:t>
+            <a:t>Près de 200 employés</a:t>
           </a:r>
           <a:endParaRPr lang="en-US" sz="1400" kern="1200" dirty="0"/>
         </a:p>
@@ -10577,7 +10577,7 @@
           <a:p>
             <a:fld id="{66F182D2-364A-4940-A759-44E1A5F53936}" type="datetimeFigureOut">
               <a:rPr lang="fr-CA" smtClean="0"/>
-              <a:t>2020-05-19</a:t>
+              <a:t>2020-05-26</a:t>
             </a:fld>
             <a:endParaRPr lang="fr-CA"/>
           </a:p>
@@ -10828,7 +10828,7 @@
           <a:p>
             <a:fld id="{66F182D2-364A-4940-A759-44E1A5F53936}" type="datetimeFigureOut">
               <a:rPr lang="fr-CA" smtClean="0"/>
-              <a:t>2020-05-19</a:t>
+              <a:t>2020-05-26</a:t>
             </a:fld>
             <a:endParaRPr lang="fr-CA"/>
           </a:p>
@@ -11142,7 +11142,7 @@
           <a:p>
             <a:fld id="{66F182D2-364A-4940-A759-44E1A5F53936}" type="datetimeFigureOut">
               <a:rPr lang="fr-CA" smtClean="0"/>
-              <a:t>2020-05-19</a:t>
+              <a:t>2020-05-26</a:t>
             </a:fld>
             <a:endParaRPr lang="fr-CA"/>
           </a:p>
@@ -11469,7 +11469,7 @@
           <a:p>
             <a:fld id="{66F182D2-364A-4940-A759-44E1A5F53936}" type="datetimeFigureOut">
               <a:rPr lang="fr-CA" smtClean="0"/>
-              <a:t>2020-05-19</a:t>
+              <a:t>2020-05-26</a:t>
             </a:fld>
             <a:endParaRPr lang="fr-CA"/>
           </a:p>
@@ -11783,7 +11783,7 @@
           <a:p>
             <a:fld id="{66F182D2-364A-4940-A759-44E1A5F53936}" type="datetimeFigureOut">
               <a:rPr lang="fr-CA" smtClean="0"/>
-              <a:t>2020-05-19</a:t>
+              <a:t>2020-05-26</a:t>
             </a:fld>
             <a:endParaRPr lang="fr-CA"/>
           </a:p>
@@ -12170,7 +12170,7 @@
           <a:p>
             <a:fld id="{66F182D2-364A-4940-A759-44E1A5F53936}" type="datetimeFigureOut">
               <a:rPr lang="fr-CA" smtClean="0"/>
-              <a:t>2020-05-19</a:t>
+              <a:t>2020-05-26</a:t>
             </a:fld>
             <a:endParaRPr lang="fr-CA"/>
           </a:p>
@@ -12340,7 +12340,7 @@
           <a:p>
             <a:fld id="{66F182D2-364A-4940-A759-44E1A5F53936}" type="datetimeFigureOut">
               <a:rPr lang="fr-CA" smtClean="0"/>
-              <a:t>2020-05-19</a:t>
+              <a:t>2020-05-26</a:t>
             </a:fld>
             <a:endParaRPr lang="fr-CA"/>
           </a:p>
@@ -12520,7 +12520,7 @@
           <a:p>
             <a:fld id="{66F182D2-364A-4940-A759-44E1A5F53936}" type="datetimeFigureOut">
               <a:rPr lang="fr-CA" smtClean="0"/>
-              <a:t>2020-05-19</a:t>
+              <a:t>2020-05-26</a:t>
             </a:fld>
             <a:endParaRPr lang="fr-CA"/>
           </a:p>
@@ -12696,7 +12696,7 @@
           <a:p>
             <a:fld id="{66F182D2-364A-4940-A759-44E1A5F53936}" type="datetimeFigureOut">
               <a:rPr lang="fr-CA" smtClean="0"/>
-              <a:t>2020-05-19</a:t>
+              <a:t>2020-05-26</a:t>
             </a:fld>
             <a:endParaRPr lang="fr-CA"/>
           </a:p>
@@ -12943,7 +12943,7 @@
           <a:p>
             <a:fld id="{66F182D2-364A-4940-A759-44E1A5F53936}" type="datetimeFigureOut">
               <a:rPr lang="fr-CA" smtClean="0"/>
-              <a:t>2020-05-19</a:t>
+              <a:t>2020-05-26</a:t>
             </a:fld>
             <a:endParaRPr lang="fr-CA"/>
           </a:p>
@@ -13175,7 +13175,7 @@
           <a:p>
             <a:fld id="{66F182D2-364A-4940-A759-44E1A5F53936}" type="datetimeFigureOut">
               <a:rPr lang="fr-CA" smtClean="0"/>
-              <a:t>2020-05-19</a:t>
+              <a:t>2020-05-26</a:t>
             </a:fld>
             <a:endParaRPr lang="fr-CA"/>
           </a:p>
@@ -13549,7 +13549,7 @@
           <a:p>
             <a:fld id="{66F182D2-364A-4940-A759-44E1A5F53936}" type="datetimeFigureOut">
               <a:rPr lang="fr-CA" smtClean="0"/>
-              <a:t>2020-05-19</a:t>
+              <a:t>2020-05-26</a:t>
             </a:fld>
             <a:endParaRPr lang="fr-CA"/>
           </a:p>
@@ -13672,7 +13672,7 @@
           <a:p>
             <a:fld id="{66F182D2-364A-4940-A759-44E1A5F53936}" type="datetimeFigureOut">
               <a:rPr lang="fr-CA" smtClean="0"/>
-              <a:t>2020-05-19</a:t>
+              <a:t>2020-05-26</a:t>
             </a:fld>
             <a:endParaRPr lang="fr-CA"/>
           </a:p>
@@ -13767,7 +13767,7 @@
           <a:p>
             <a:fld id="{66F182D2-364A-4940-A759-44E1A5F53936}" type="datetimeFigureOut">
               <a:rPr lang="fr-CA" smtClean="0"/>
-              <a:t>2020-05-19</a:t>
+              <a:t>2020-05-26</a:t>
             </a:fld>
             <a:endParaRPr lang="fr-CA"/>
           </a:p>
@@ -14022,7 +14022,7 @@
           <a:p>
             <a:fld id="{66F182D2-364A-4940-A759-44E1A5F53936}" type="datetimeFigureOut">
               <a:rPr lang="fr-CA" smtClean="0"/>
-              <a:t>2020-05-19</a:t>
+              <a:t>2020-05-26</a:t>
             </a:fld>
             <a:endParaRPr lang="fr-CA"/>
           </a:p>
@@ -14285,7 +14285,7 @@
           <a:p>
             <a:fld id="{66F182D2-364A-4940-A759-44E1A5F53936}" type="datetimeFigureOut">
               <a:rPr lang="fr-CA" smtClean="0"/>
-              <a:t>2020-05-19</a:t>
+              <a:t>2020-05-26</a:t>
             </a:fld>
             <a:endParaRPr lang="fr-CA"/>
           </a:p>
@@ -15030,7 +15030,7 @@
           <a:p>
             <a:fld id="{66F182D2-364A-4940-A759-44E1A5F53936}" type="datetimeFigureOut">
               <a:rPr lang="fr-CA" smtClean="0"/>
-              <a:t>2020-05-19</a:t>
+              <a:t>2020-05-26</a:t>
             </a:fld>
             <a:endParaRPr lang="fr-CA"/>
           </a:p>
@@ -15587,6 +15587,114 @@
           </a:p>
         </p:txBody>
       </p:sp>
+      <p:sp>
+        <p:nvSpPr>
+          <p:cNvPr id="4" name="Titre 1">
+            <a:extLst>
+              <a:ext uri="{FF2B5EF4-FFF2-40B4-BE49-F238E27FC236}">
+                <a16:creationId xmlns:a16="http://schemas.microsoft.com/office/drawing/2014/main" id="{2553DB95-DB10-4061-B92E-A7801B90E5F4}"/>
+              </a:ext>
+            </a:extLst>
+          </p:cNvPr>
+          <p:cNvSpPr txBox="1">
+            <a:spLocks/>
+          </p:cNvSpPr>
+          <p:nvPr/>
+        </p:nvSpPr>
+        <p:spPr>
+          <a:xfrm>
+            <a:off x="1069859" y="2880676"/>
+            <a:ext cx="8288032" cy="1096648"/>
+          </a:xfrm>
+          <a:prstGeom prst="rect">
+            <a:avLst/>
+          </a:prstGeom>
+        </p:spPr>
+        <p:txBody>
+          <a:bodyPr vert="horz" lIns="91440" tIns="45720" rIns="91440" bIns="45720" rtlCol="0" anchor="b">
+            <a:normAutofit/>
+          </a:bodyPr>
+          <a:lstStyle>
+            <a:lvl1pPr algn="r" defTabSz="457200" rtl="0" eaLnBrk="1" latinLnBrk="0" hangingPunct="1">
+              <a:spcBef>
+                <a:spcPct val="0"/>
+              </a:spcBef>
+              <a:buNone/>
+              <a:defRPr sz="5400" kern="1200">
+                <a:solidFill>
+                  <a:schemeClr val="accent1"/>
+                </a:solidFill>
+                <a:latin typeface="+mj-lt"/>
+                <a:ea typeface="+mj-ea"/>
+                <a:cs typeface="+mj-cs"/>
+              </a:defRPr>
+            </a:lvl1pPr>
+            <a:lvl2pPr eaLnBrk="1" hangingPunct="1">
+              <a:defRPr>
+                <a:solidFill>
+                  <a:schemeClr val="tx2"/>
+                </a:solidFill>
+              </a:defRPr>
+            </a:lvl2pPr>
+            <a:lvl3pPr eaLnBrk="1" hangingPunct="1">
+              <a:defRPr>
+                <a:solidFill>
+                  <a:schemeClr val="tx2"/>
+                </a:solidFill>
+              </a:defRPr>
+            </a:lvl3pPr>
+            <a:lvl4pPr eaLnBrk="1" hangingPunct="1">
+              <a:defRPr>
+                <a:solidFill>
+                  <a:schemeClr val="tx2"/>
+                </a:solidFill>
+              </a:defRPr>
+            </a:lvl4pPr>
+            <a:lvl5pPr eaLnBrk="1" hangingPunct="1">
+              <a:defRPr>
+                <a:solidFill>
+                  <a:schemeClr val="tx2"/>
+                </a:solidFill>
+              </a:defRPr>
+            </a:lvl5pPr>
+            <a:lvl6pPr eaLnBrk="1" hangingPunct="1">
+              <a:defRPr>
+                <a:solidFill>
+                  <a:schemeClr val="tx2"/>
+                </a:solidFill>
+              </a:defRPr>
+            </a:lvl6pPr>
+            <a:lvl7pPr eaLnBrk="1" hangingPunct="1">
+              <a:defRPr>
+                <a:solidFill>
+                  <a:schemeClr val="tx2"/>
+                </a:solidFill>
+              </a:defRPr>
+            </a:lvl7pPr>
+            <a:lvl8pPr eaLnBrk="1" hangingPunct="1">
+              <a:defRPr>
+                <a:solidFill>
+                  <a:schemeClr val="tx2"/>
+                </a:solidFill>
+              </a:defRPr>
+            </a:lvl8pPr>
+            <a:lvl9pPr eaLnBrk="1" hangingPunct="1">
+              <a:defRPr>
+                <a:solidFill>
+                  <a:schemeClr val="tx2"/>
+                </a:solidFill>
+              </a:defRPr>
+            </a:lvl9pPr>
+          </a:lstStyle>
+          <a:p>
+            <a:pPr algn="l"/>
+            <a:r>
+              <a:rPr lang="en-US" sz="2800" dirty="0"/>
+              <a:t>Par: Zachary , Johnatan et Pier-Luc</a:t>
+            </a:r>
+          </a:p>
+        </p:txBody>
+      </p:sp>
     </p:spTree>
     <p:extLst>
       <p:ext uri="{BB962C8B-B14F-4D97-AF65-F5344CB8AC3E}">
@@ -16354,15 +16462,7 @@
           <a:p>
             <a:r>
               <a:rPr lang="en-US" sz="4800" dirty="0"/>
-              <a:t>Un peu de code (</a:t>
-            </a:r>
-            <a:r>
-              <a:rPr lang="en-US" sz="4800" dirty="0" err="1"/>
-              <a:t>Johnatan</a:t>
-            </a:r>
-            <a:r>
-              <a:rPr lang="en-US" sz="4800" dirty="0"/>
-              <a:t>)</a:t>
+              <a:t>Un peu de code (Johnatan)</a:t>
             </a:r>
           </a:p>
         </p:txBody>
@@ -19779,7 +19879,7 @@
             <p:ph idx="1"/>
             <p:extLst>
               <p:ext uri="{D42A27DB-BD31-4B8C-83A1-F6EECF244321}">
-                <p14:modId xmlns:p14="http://schemas.microsoft.com/office/powerpoint/2010/main" val="3123763838"/>
+                <p14:modId xmlns:p14="http://schemas.microsoft.com/office/powerpoint/2010/main" val="3985852560"/>
               </p:ext>
             </p:extLst>
           </p:nvPr>
@@ -21556,14 +21656,14 @@
           <p:nvPr>
             <p:extLst>
               <p:ext uri="{D42A27DB-BD31-4B8C-83A1-F6EECF244321}">
-                <p14:modId xmlns:p14="http://schemas.microsoft.com/office/powerpoint/2010/main" val="3335877237"/>
+                <p14:modId xmlns:p14="http://schemas.microsoft.com/office/powerpoint/2010/main" val="3120376458"/>
               </p:ext>
             </p:extLst>
           </p:nvPr>
         </p:nvGraphicFramePr>
         <p:xfrm>
           <a:off x="1600201" y="812032"/>
-          <a:ext cx="7625163" cy="3237498"/>
+          <a:ext cx="7625163" cy="3744354"/>
         </p:xfrm>
         <a:graphic>
           <a:graphicData uri="http://schemas.openxmlformats.org/drawingml/2006/table">
@@ -21865,7 +21965,7 @@
                     <a:lstStyle/>
                     <a:p>
                       <a:r>
-                        <a:rPr lang="fr-CA" sz="1400">
+                        <a:rPr lang="fr-CA" sz="1400" dirty="0">
                           <a:latin typeface="Segoe UI" panose="020B0502040204020203" pitchFamily="34" charset="0"/>
                           <a:cs typeface="Segoe UI" panose="020B0502040204020203" pitchFamily="34" charset="0"/>
                         </a:rPr>
@@ -21894,6 +21994,54 @@
                 <a:extLst>
                   <a:ext uri="{0D108BD9-81ED-4DB2-BD59-A6C34878D82A}">
                     <a16:rowId xmlns:a16="http://schemas.microsoft.com/office/drawing/2014/main" val="201255128"/>
+                  </a:ext>
+                </a:extLst>
+              </a:tr>
+              <a:tr h="325887">
+                <a:tc>
+                  <a:txBody>
+                    <a:bodyPr/>
+                    <a:lstStyle/>
+                    <a:p>
+                      <a:r>
+                        <a:rPr lang="fr-CA" sz="1400" dirty="0">
+                          <a:latin typeface="Segoe UI" panose="020B0502040204020203" pitchFamily="34" charset="0"/>
+                          <a:cs typeface="Segoe UI" panose="020B0502040204020203" pitchFamily="34" charset="0"/>
+                        </a:rPr>
+                        <a:t>Collaboration</a:t>
+                      </a:r>
+                    </a:p>
+                  </a:txBody>
+                  <a:tcPr marL="80136" marR="80136" marT="40068" marB="40068"/>
+                </a:tc>
+                <a:tc>
+                  <a:txBody>
+                    <a:bodyPr/>
+                    <a:lstStyle/>
+                    <a:p>
+                      <a:r>
+                        <a:rPr lang="fr-CA" sz="1400" dirty="0">
+                          <a:latin typeface="Segoe UI" panose="020B0502040204020203" pitchFamily="34" charset="0"/>
+                          <a:cs typeface="Segoe UI" panose="020B0502040204020203" pitchFamily="34" charset="0"/>
+                        </a:rPr>
+                        <a:t>Git hub</a:t>
+                      </a:r>
+                    </a:p>
+                    <a:p>
+                      <a:r>
+                        <a:rPr lang="fr-CA" sz="1400" dirty="0">
+                          <a:latin typeface="Segoe UI" panose="020B0502040204020203" pitchFamily="34" charset="0"/>
+                          <a:cs typeface="Segoe UI" panose="020B0502040204020203" pitchFamily="34" charset="0"/>
+                        </a:rPr>
+                        <a:t>Interface graphique: Git kraken</a:t>
+                      </a:r>
+                    </a:p>
+                  </a:txBody>
+                  <a:tcPr marL="80136" marR="80136" marT="40068" marB="40068"/>
+                </a:tc>
+                <a:extLst>
+                  <a:ext uri="{0D108BD9-81ED-4DB2-BD59-A6C34878D82A}">
+                    <a16:rowId xmlns:a16="http://schemas.microsoft.com/office/drawing/2014/main" val="2750118190"/>
                   </a:ext>
                 </a:extLst>
               </a:tr>
